--- a/PPT_python4data.pptx
+++ b/PPT_python4data.pptx
@@ -7,6 +7,10 @@
   <p:sldIdLst>
     <p:sldId id="256" r:id="rId2"/>
     <p:sldId id="257" r:id="rId3"/>
+    <p:sldId id="258" r:id="rId4"/>
+    <p:sldId id="259" r:id="rId5"/>
+    <p:sldId id="260" r:id="rId6"/>
+    <p:sldId id="261" r:id="rId7"/>
   </p:sldIdLst>
   <p:sldSz cx="12192000" cy="6858000"/>
   <p:notesSz cx="6858000" cy="9144000"/>
@@ -105,6 +109,11 @@
       </a:defRPr>
     </a:lvl9pPr>
   </p:defaultTextStyle>
+  <p:extLst>
+    <p:ext uri="{EFAFB233-063F-42B5-8137-9DF3F51BA10A}">
+      <p15:sldGuideLst xmlns:p15="http://schemas.microsoft.com/office/powerpoint/2012/main"/>
+    </p:ext>
+  </p:extLst>
 </p:presentation>
 </file>
 
@@ -6268,6 +6277,7 @@
           <a:bodyPr/>
           <a:lstStyle/>
           <a:p>
+            <a:pPr algn="just"/>
             <a:r>
               <a:rPr lang="fr-FR" dirty="0" err="1"/>
               <a:t>Dataset</a:t>
@@ -6279,6 +6289,12 @@
             <a:r>
               <a:rPr lang="en-US" dirty="0"/>
               <a:t>"Smartphone-Based Recognition of Human Activities and Postural Transitions“</a:t>
+            </a:r>
+          </a:p>
+          <a:p>
+            <a:r>
+              <a:rPr lang="en-US" dirty="0"/>
+              <a:t>Classification</a:t>
             </a:r>
           </a:p>
         </p:txBody>
@@ -6287,6 +6303,510 @@
     <p:extLst>
       <p:ext uri="{BB962C8B-B14F-4D97-AF65-F5344CB8AC3E}">
         <p14:creationId xmlns:p14="http://schemas.microsoft.com/office/powerpoint/2010/main" val="2572265049"/>
+      </p:ext>
+    </p:extLst>
+  </p:cSld>
+  <p:clrMapOvr>
+    <a:masterClrMapping/>
+  </p:clrMapOvr>
+</p:sld>
+</file>
+
+<file path=ppt/slides/slide3.xml><?xml version="1.0" encoding="utf-8"?>
+<p:sld xmlns:a="http://schemas.openxmlformats.org/drawingml/2006/main" xmlns:r="http://schemas.openxmlformats.org/officeDocument/2006/relationships" xmlns:p="http://schemas.openxmlformats.org/presentationml/2006/main">
+  <p:cSld>
+    <p:spTree>
+      <p:nvGrpSpPr>
+        <p:cNvPr id="1" name=""/>
+        <p:cNvGrpSpPr/>
+        <p:nvPr/>
+      </p:nvGrpSpPr>
+      <p:grpSpPr>
+        <a:xfrm>
+          <a:off x="0" y="0"/>
+          <a:ext cx="0" cy="0"/>
+          <a:chOff x="0" y="0"/>
+          <a:chExt cx="0" cy="0"/>
+        </a:xfrm>
+      </p:grpSpPr>
+      <p:sp>
+        <p:nvSpPr>
+          <p:cNvPr id="2" name="Titre 1">
+            <a:extLst>
+              <a:ext uri="{FF2B5EF4-FFF2-40B4-BE49-F238E27FC236}">
+                <a16:creationId xmlns:a16="http://schemas.microsoft.com/office/drawing/2014/main" id="{8B339244-043F-4557-A2BF-D5FA19834B5F}"/>
+              </a:ext>
+            </a:extLst>
+          </p:cNvPr>
+          <p:cNvSpPr>
+            <a:spLocks noGrp="1"/>
+          </p:cNvSpPr>
+          <p:nvPr>
+            <p:ph type="title"/>
+          </p:nvPr>
+        </p:nvSpPr>
+        <p:spPr/>
+        <p:txBody>
+          <a:bodyPr/>
+          <a:lstStyle/>
+          <a:p>
+            <a:r>
+              <a:rPr lang="fr-FR" dirty="0"/>
+              <a:t>Prémices</a:t>
+            </a:r>
+          </a:p>
+        </p:txBody>
+      </p:sp>
+      <p:sp>
+        <p:nvSpPr>
+          <p:cNvPr id="3" name="Espace réservé du contenu 2">
+            <a:extLst>
+              <a:ext uri="{FF2B5EF4-FFF2-40B4-BE49-F238E27FC236}">
+                <a16:creationId xmlns:a16="http://schemas.microsoft.com/office/drawing/2014/main" id="{316FB233-7E6C-4852-B681-DC4FD96A44FA}"/>
+              </a:ext>
+            </a:extLst>
+          </p:cNvPr>
+          <p:cNvSpPr>
+            <a:spLocks noGrp="1"/>
+          </p:cNvSpPr>
+          <p:nvPr>
+            <p:ph idx="1"/>
+          </p:nvPr>
+        </p:nvSpPr>
+        <p:spPr/>
+        <p:txBody>
+          <a:bodyPr/>
+          <a:lstStyle/>
+          <a:p>
+            <a:pPr marL="0" indent="0" algn="just">
+              <a:buNone/>
+            </a:pPr>
+            <a:r>
+              <a:rPr lang="fr-FR" dirty="0"/>
+              <a:t>Avant même de commencer à coder, j’ai d’abord essayer de comprendre les données qui étaient à notre disposition. Il s’est avéré que les données étaient déjà séparées en «  Train &amp; Test » dans deux dossiers respectifs.</a:t>
+            </a:r>
+          </a:p>
+        </p:txBody>
+      </p:sp>
+    </p:spTree>
+    <p:extLst>
+      <p:ext uri="{BB962C8B-B14F-4D97-AF65-F5344CB8AC3E}">
+        <p14:creationId xmlns:p14="http://schemas.microsoft.com/office/powerpoint/2010/main" val="1539691334"/>
+      </p:ext>
+    </p:extLst>
+  </p:cSld>
+  <p:clrMapOvr>
+    <a:masterClrMapping/>
+  </p:clrMapOvr>
+</p:sld>
+</file>
+
+<file path=ppt/slides/slide4.xml><?xml version="1.0" encoding="utf-8"?>
+<p:sld xmlns:a="http://schemas.openxmlformats.org/drawingml/2006/main" xmlns:r="http://schemas.openxmlformats.org/officeDocument/2006/relationships" xmlns:p="http://schemas.openxmlformats.org/presentationml/2006/main">
+  <p:cSld>
+    <p:spTree>
+      <p:nvGrpSpPr>
+        <p:cNvPr id="1" name=""/>
+        <p:cNvGrpSpPr/>
+        <p:nvPr/>
+      </p:nvGrpSpPr>
+      <p:grpSpPr>
+        <a:xfrm>
+          <a:off x="0" y="0"/>
+          <a:ext cx="0" cy="0"/>
+          <a:chOff x="0" y="0"/>
+          <a:chExt cx="0" cy="0"/>
+        </a:xfrm>
+      </p:grpSpPr>
+      <p:sp>
+        <p:nvSpPr>
+          <p:cNvPr id="2" name="Titre 1">
+            <a:extLst>
+              <a:ext uri="{FF2B5EF4-FFF2-40B4-BE49-F238E27FC236}">
+                <a16:creationId xmlns:a16="http://schemas.microsoft.com/office/drawing/2014/main" id="{F53E3CDB-E24E-429E-817B-ECC547BAEBAD}"/>
+              </a:ext>
+            </a:extLst>
+          </p:cNvPr>
+          <p:cNvSpPr>
+            <a:spLocks noGrp="1"/>
+          </p:cNvSpPr>
+          <p:nvPr>
+            <p:ph type="title"/>
+          </p:nvPr>
+        </p:nvSpPr>
+        <p:spPr/>
+        <p:txBody>
+          <a:bodyPr/>
+          <a:lstStyle/>
+          <a:p>
+            <a:r>
+              <a:rPr lang="fr-FR" dirty="0"/>
+              <a:t>Premières lignes de codes</a:t>
+            </a:r>
+          </a:p>
+        </p:txBody>
+      </p:sp>
+      <p:sp>
+        <p:nvSpPr>
+          <p:cNvPr id="3" name="Espace réservé du contenu 2">
+            <a:extLst>
+              <a:ext uri="{FF2B5EF4-FFF2-40B4-BE49-F238E27FC236}">
+                <a16:creationId xmlns:a16="http://schemas.microsoft.com/office/drawing/2014/main" id="{17189D40-FF14-4EC3-BAD8-547D8484D188}"/>
+              </a:ext>
+            </a:extLst>
+          </p:cNvPr>
+          <p:cNvSpPr>
+            <a:spLocks noGrp="1"/>
+          </p:cNvSpPr>
+          <p:nvPr>
+            <p:ph idx="1"/>
+          </p:nvPr>
+        </p:nvSpPr>
+        <p:spPr>
+          <a:xfrm>
+            <a:off x="1484310" y="1562099"/>
+            <a:ext cx="10018713" cy="3124201"/>
+          </a:xfrm>
+        </p:spPr>
+        <p:txBody>
+          <a:bodyPr/>
+          <a:lstStyle/>
+          <a:p>
+            <a:pPr marL="0" indent="0">
+              <a:buNone/>
+            </a:pPr>
+            <a:r>
+              <a:rPr lang="fr-FR" dirty="0"/>
+              <a:t>Mes premières lignes de codes ne sont que des « imports ».</a:t>
+            </a:r>
+          </a:p>
+        </p:txBody>
+      </p:sp>
+      <p:pic>
+        <p:nvPicPr>
+          <p:cNvPr id="4" name="Image 3">
+            <a:extLst>
+              <a:ext uri="{FF2B5EF4-FFF2-40B4-BE49-F238E27FC236}">
+                <a16:creationId xmlns:a16="http://schemas.microsoft.com/office/drawing/2014/main" id="{5A40CD17-70B9-4354-B29E-87253797F881}"/>
+              </a:ext>
+            </a:extLst>
+          </p:cNvPr>
+          <p:cNvPicPr>
+            <a:picLocks noChangeAspect="1"/>
+          </p:cNvPicPr>
+          <p:nvPr/>
+        </p:nvPicPr>
+        <p:blipFill>
+          <a:blip r:embed="rId2"/>
+          <a:stretch>
+            <a:fillRect/>
+          </a:stretch>
+        </p:blipFill>
+        <p:spPr>
+          <a:xfrm>
+            <a:off x="1843108" y="3660140"/>
+            <a:ext cx="9301115" cy="2052320"/>
+          </a:xfrm>
+          <a:prstGeom prst="rect">
+            <a:avLst/>
+          </a:prstGeom>
+          <a:ln w="12700" cap="sq">
+            <a:solidFill>
+              <a:srgbClr val="000000"/>
+            </a:solidFill>
+            <a:miter lim="800000"/>
+          </a:ln>
+          <a:effectLst/>
+        </p:spPr>
+      </p:pic>
+    </p:spTree>
+    <p:extLst>
+      <p:ext uri="{BB962C8B-B14F-4D97-AF65-F5344CB8AC3E}">
+        <p14:creationId xmlns:p14="http://schemas.microsoft.com/office/powerpoint/2010/main" val="563417898"/>
+      </p:ext>
+    </p:extLst>
+  </p:cSld>
+  <p:clrMapOvr>
+    <a:masterClrMapping/>
+  </p:clrMapOvr>
+</p:sld>
+</file>
+
+<file path=ppt/slides/slide5.xml><?xml version="1.0" encoding="utf-8"?>
+<p:sld xmlns:a="http://schemas.openxmlformats.org/drawingml/2006/main" xmlns:r="http://schemas.openxmlformats.org/officeDocument/2006/relationships" xmlns:p="http://schemas.openxmlformats.org/presentationml/2006/main">
+  <p:cSld>
+    <p:spTree>
+      <p:nvGrpSpPr>
+        <p:cNvPr id="1" name=""/>
+        <p:cNvGrpSpPr/>
+        <p:nvPr/>
+      </p:nvGrpSpPr>
+      <p:grpSpPr>
+        <a:xfrm>
+          <a:off x="0" y="0"/>
+          <a:ext cx="0" cy="0"/>
+          <a:chOff x="0" y="0"/>
+          <a:chExt cx="0" cy="0"/>
+        </a:xfrm>
+      </p:grpSpPr>
+      <p:sp>
+        <p:nvSpPr>
+          <p:cNvPr id="2" name="Titre 1">
+            <a:extLst>
+              <a:ext uri="{FF2B5EF4-FFF2-40B4-BE49-F238E27FC236}">
+                <a16:creationId xmlns:a16="http://schemas.microsoft.com/office/drawing/2014/main" id="{F53E3CDB-E24E-429E-817B-ECC547BAEBAD}"/>
+              </a:ext>
+            </a:extLst>
+          </p:cNvPr>
+          <p:cNvSpPr>
+            <a:spLocks noGrp="1"/>
+          </p:cNvSpPr>
+          <p:nvPr>
+            <p:ph type="title"/>
+          </p:nvPr>
+        </p:nvSpPr>
+        <p:spPr/>
+        <p:txBody>
+          <a:bodyPr/>
+          <a:lstStyle/>
+          <a:p>
+            <a:r>
+              <a:rPr lang="fr-FR" dirty="0"/>
+              <a:t>Premières lignes de codes</a:t>
+            </a:r>
+          </a:p>
+        </p:txBody>
+      </p:sp>
+      <p:sp>
+        <p:nvSpPr>
+          <p:cNvPr id="3" name="Espace réservé du contenu 2">
+            <a:extLst>
+              <a:ext uri="{FF2B5EF4-FFF2-40B4-BE49-F238E27FC236}">
+                <a16:creationId xmlns:a16="http://schemas.microsoft.com/office/drawing/2014/main" id="{17189D40-FF14-4EC3-BAD8-547D8484D188}"/>
+              </a:ext>
+            </a:extLst>
+          </p:cNvPr>
+          <p:cNvSpPr>
+            <a:spLocks noGrp="1"/>
+          </p:cNvSpPr>
+          <p:nvPr>
+            <p:ph idx="1"/>
+          </p:nvPr>
+        </p:nvSpPr>
+        <p:spPr>
+          <a:xfrm>
+            <a:off x="1484310" y="1562099"/>
+            <a:ext cx="10018713" cy="3124201"/>
+          </a:xfrm>
+        </p:spPr>
+        <p:txBody>
+          <a:bodyPr/>
+          <a:lstStyle/>
+          <a:p>
+            <a:pPr marL="0" indent="0" algn="just">
+              <a:buNone/>
+            </a:pPr>
+            <a:r>
+              <a:rPr lang="fr-FR" dirty="0"/>
+              <a:t>Par la suite, j’ai fait en sorte que pandas puisse associer les fichiers .txt à des </a:t>
+            </a:r>
+            <a:r>
+              <a:rPr lang="fr-FR" dirty="0" err="1"/>
+              <a:t>dataframes</a:t>
+            </a:r>
+            <a:r>
+              <a:rPr lang="fr-FR" dirty="0"/>
+              <a:t> mais aussi que les fichier </a:t>
+            </a:r>
+            <a:r>
+              <a:rPr lang="fr-FR" dirty="0" err="1"/>
+              <a:t>y_train</a:t>
+            </a:r>
+            <a:r>
+              <a:rPr lang="fr-FR" dirty="0"/>
+              <a:t>/test soient ajoutés aux </a:t>
+            </a:r>
+            <a:r>
+              <a:rPr lang="fr-FR" dirty="0" err="1"/>
+              <a:t>dataframes</a:t>
+            </a:r>
+            <a:r>
+              <a:rPr lang="fr-FR" dirty="0"/>
+              <a:t> correspondants, par exemple pour les données de « test » :</a:t>
+            </a:r>
+          </a:p>
+        </p:txBody>
+      </p:sp>
+      <p:pic>
+        <p:nvPicPr>
+          <p:cNvPr id="6" name="Image 5">
+            <a:extLst>
+              <a:ext uri="{FF2B5EF4-FFF2-40B4-BE49-F238E27FC236}">
+                <a16:creationId xmlns:a16="http://schemas.microsoft.com/office/drawing/2014/main" id="{47A6DEEE-1677-4303-AD8A-354266DED532}"/>
+              </a:ext>
+            </a:extLst>
+          </p:cNvPr>
+          <p:cNvPicPr>
+            <a:picLocks noChangeAspect="1"/>
+          </p:cNvPicPr>
+          <p:nvPr/>
+        </p:nvPicPr>
+        <p:blipFill>
+          <a:blip r:embed="rId2"/>
+          <a:stretch>
+            <a:fillRect/>
+          </a:stretch>
+        </p:blipFill>
+        <p:spPr>
+          <a:xfrm>
+            <a:off x="1374354" y="4030390"/>
+            <a:ext cx="10128669" cy="1311819"/>
+          </a:xfrm>
+          <a:prstGeom prst="rect">
+            <a:avLst/>
+          </a:prstGeom>
+          <a:ln w="12700" cap="sq">
+            <a:solidFill>
+              <a:srgbClr val="000000"/>
+            </a:solidFill>
+            <a:miter lim="800000"/>
+          </a:ln>
+          <a:effectLst/>
+        </p:spPr>
+      </p:pic>
+    </p:spTree>
+    <p:extLst>
+      <p:ext uri="{BB962C8B-B14F-4D97-AF65-F5344CB8AC3E}">
+        <p14:creationId xmlns:p14="http://schemas.microsoft.com/office/powerpoint/2010/main" val="4223496180"/>
+      </p:ext>
+    </p:extLst>
+  </p:cSld>
+  <p:clrMapOvr>
+    <a:masterClrMapping/>
+  </p:clrMapOvr>
+</p:sld>
+</file>
+
+<file path=ppt/slides/slide6.xml><?xml version="1.0" encoding="utf-8"?>
+<p:sld xmlns:a="http://schemas.openxmlformats.org/drawingml/2006/main" xmlns:r="http://schemas.openxmlformats.org/officeDocument/2006/relationships" xmlns:p="http://schemas.openxmlformats.org/presentationml/2006/main">
+  <p:cSld>
+    <p:spTree>
+      <p:nvGrpSpPr>
+        <p:cNvPr id="1" name=""/>
+        <p:cNvGrpSpPr/>
+        <p:nvPr/>
+      </p:nvGrpSpPr>
+      <p:grpSpPr>
+        <a:xfrm>
+          <a:off x="0" y="0"/>
+          <a:ext cx="0" cy="0"/>
+          <a:chOff x="0" y="0"/>
+          <a:chExt cx="0" cy="0"/>
+        </a:xfrm>
+      </p:grpSpPr>
+      <p:sp>
+        <p:nvSpPr>
+          <p:cNvPr id="2" name="Titre 1">
+            <a:extLst>
+              <a:ext uri="{FF2B5EF4-FFF2-40B4-BE49-F238E27FC236}">
+                <a16:creationId xmlns:a16="http://schemas.microsoft.com/office/drawing/2014/main" id="{F0E0B3B8-9885-4D30-BCD7-9247B325D4DB}"/>
+              </a:ext>
+            </a:extLst>
+          </p:cNvPr>
+          <p:cNvSpPr>
+            <a:spLocks noGrp="1"/>
+          </p:cNvSpPr>
+          <p:nvPr>
+            <p:ph type="title"/>
+          </p:nvPr>
+        </p:nvSpPr>
+        <p:spPr/>
+        <p:txBody>
+          <a:bodyPr/>
+          <a:lstStyle/>
+          <a:p>
+            <a:r>
+              <a:rPr lang="fr-FR" dirty="0"/>
+              <a:t>Premières lignes de codes</a:t>
+            </a:r>
+          </a:p>
+        </p:txBody>
+      </p:sp>
+      <p:sp>
+        <p:nvSpPr>
+          <p:cNvPr id="3" name="Espace réservé du contenu 2">
+            <a:extLst>
+              <a:ext uri="{FF2B5EF4-FFF2-40B4-BE49-F238E27FC236}">
+                <a16:creationId xmlns:a16="http://schemas.microsoft.com/office/drawing/2014/main" id="{1EBB7032-6C2F-4395-9947-5258F5F07202}"/>
+              </a:ext>
+            </a:extLst>
+          </p:cNvPr>
+          <p:cNvSpPr>
+            <a:spLocks noGrp="1"/>
+          </p:cNvSpPr>
+          <p:nvPr>
+            <p:ph idx="1"/>
+          </p:nvPr>
+        </p:nvSpPr>
+        <p:spPr>
+          <a:xfrm>
+            <a:off x="1484311" y="1562099"/>
+            <a:ext cx="10018713" cy="3124201"/>
+          </a:xfrm>
+        </p:spPr>
+        <p:txBody>
+          <a:bodyPr/>
+          <a:lstStyle/>
+          <a:p>
+            <a:pPr marL="0" indent="0">
+              <a:buNone/>
+            </a:pPr>
+            <a:r>
+              <a:rPr lang="fr-FR" dirty="0"/>
+              <a:t>J’ai ensuite crée des variables explicites que j’utiliserais pour chaque modèle de classification dans la suite du projet : </a:t>
+            </a:r>
+          </a:p>
+        </p:txBody>
+      </p:sp>
+      <p:pic>
+        <p:nvPicPr>
+          <p:cNvPr id="4" name="Image 3">
+            <a:extLst>
+              <a:ext uri="{FF2B5EF4-FFF2-40B4-BE49-F238E27FC236}">
+                <a16:creationId xmlns:a16="http://schemas.microsoft.com/office/drawing/2014/main" id="{250289FB-A874-45EB-902C-F0F876E989AE}"/>
+              </a:ext>
+            </a:extLst>
+          </p:cNvPr>
+          <p:cNvPicPr>
+            <a:picLocks noChangeAspect="1"/>
+          </p:cNvPicPr>
+          <p:nvPr/>
+        </p:nvPicPr>
+        <p:blipFill>
+          <a:blip r:embed="rId2"/>
+          <a:stretch>
+            <a:fillRect/>
+          </a:stretch>
+        </p:blipFill>
+        <p:spPr>
+          <a:xfrm>
+            <a:off x="1520769" y="4282855"/>
+            <a:ext cx="9945796" cy="806890"/>
+          </a:xfrm>
+          <a:prstGeom prst="rect">
+            <a:avLst/>
+          </a:prstGeom>
+          <a:ln w="12700">
+            <a:solidFill>
+              <a:schemeClr val="tx1"/>
+            </a:solidFill>
+          </a:ln>
+        </p:spPr>
+      </p:pic>
+    </p:spTree>
+    <p:extLst>
+      <p:ext uri="{BB962C8B-B14F-4D97-AF65-F5344CB8AC3E}">
+        <p14:creationId xmlns:p14="http://schemas.microsoft.com/office/powerpoint/2010/main" val="2769470220"/>
       </p:ext>
     </p:extLst>
   </p:cSld>

--- a/PPT_python4data.pptx
+++ b/PPT_python4data.pptx
@@ -11,6 +11,8 @@
     <p:sldId id="259" r:id="rId5"/>
     <p:sldId id="260" r:id="rId6"/>
     <p:sldId id="261" r:id="rId7"/>
+    <p:sldId id="263" r:id="rId8"/>
+    <p:sldId id="264" r:id="rId9"/>
   </p:sldIdLst>
   <p:sldSz cx="12192000" cy="6858000"/>
   <p:notesSz cx="6858000" cy="9144000"/>
@@ -619,7 +621,7 @@
           <a:p>
             <a:fld id="{877CF4EC-DB2E-4A3B-9CFF-FF60025AB359}" type="datetimeFigureOut">
               <a:rPr lang="fr-FR" smtClean="0"/>
-              <a:t>28/01/2020</a:t>
+              <a:t>29/01/2020</a:t>
             </a:fld>
             <a:endParaRPr lang="fr-FR"/>
           </a:p>
@@ -915,7 +917,7 @@
           <a:p>
             <a:fld id="{877CF4EC-DB2E-4A3B-9CFF-FF60025AB359}" type="datetimeFigureOut">
               <a:rPr lang="fr-FR" smtClean="0"/>
-              <a:t>28/01/2020</a:t>
+              <a:t>29/01/2020</a:t>
             </a:fld>
             <a:endParaRPr lang="fr-FR"/>
           </a:p>
@@ -1163,7 +1165,7 @@
           <a:p>
             <a:fld id="{877CF4EC-DB2E-4A3B-9CFF-FF60025AB359}" type="datetimeFigureOut">
               <a:rPr lang="fr-FR" smtClean="0"/>
-              <a:t>28/01/2020</a:t>
+              <a:t>29/01/2020</a:t>
             </a:fld>
             <a:endParaRPr lang="fr-FR"/>
           </a:p>
@@ -1703,7 +1705,7 @@
           <a:p>
             <a:fld id="{877CF4EC-DB2E-4A3B-9CFF-FF60025AB359}" type="datetimeFigureOut">
               <a:rPr lang="fr-FR" smtClean="0"/>
-              <a:t>28/01/2020</a:t>
+              <a:t>29/01/2020</a:t>
             </a:fld>
             <a:endParaRPr lang="fr-FR"/>
           </a:p>
@@ -1951,7 +1953,7 @@
           <a:p>
             <a:fld id="{877CF4EC-DB2E-4A3B-9CFF-FF60025AB359}" type="datetimeFigureOut">
               <a:rPr lang="fr-FR" smtClean="0"/>
-              <a:t>28/01/2020</a:t>
+              <a:t>29/01/2020</a:t>
             </a:fld>
             <a:endParaRPr lang="fr-FR"/>
           </a:p>
@@ -2483,7 +2485,7 @@
           <a:p>
             <a:fld id="{877CF4EC-DB2E-4A3B-9CFF-FF60025AB359}" type="datetimeFigureOut">
               <a:rPr lang="fr-FR" smtClean="0"/>
-              <a:t>28/01/2020</a:t>
+              <a:t>29/01/2020</a:t>
             </a:fld>
             <a:endParaRPr lang="fr-FR"/>
           </a:p>
@@ -2780,7 +2782,7 @@
           <a:p>
             <a:fld id="{877CF4EC-DB2E-4A3B-9CFF-FF60025AB359}" type="datetimeFigureOut">
               <a:rPr lang="fr-FR" smtClean="0"/>
-              <a:t>28/01/2020</a:t>
+              <a:t>29/01/2020</a:t>
             </a:fld>
             <a:endParaRPr lang="fr-FR"/>
           </a:p>
@@ -2954,7 +2956,7 @@
           <a:p>
             <a:fld id="{877CF4EC-DB2E-4A3B-9CFF-FF60025AB359}" type="datetimeFigureOut">
               <a:rPr lang="fr-FR" smtClean="0"/>
-              <a:t>28/01/2020</a:t>
+              <a:t>29/01/2020</a:t>
             </a:fld>
             <a:endParaRPr lang="fr-FR"/>
           </a:p>
@@ -3134,7 +3136,7 @@
           <a:p>
             <a:fld id="{877CF4EC-DB2E-4A3B-9CFF-FF60025AB359}" type="datetimeFigureOut">
               <a:rPr lang="fr-FR" smtClean="0"/>
-              <a:t>28/01/2020</a:t>
+              <a:t>29/01/2020</a:t>
             </a:fld>
             <a:endParaRPr lang="fr-FR"/>
           </a:p>
@@ -3304,7 +3306,7 @@
           <a:p>
             <a:fld id="{877CF4EC-DB2E-4A3B-9CFF-FF60025AB359}" type="datetimeFigureOut">
               <a:rPr lang="fr-FR" smtClean="0"/>
-              <a:t>28/01/2020</a:t>
+              <a:t>29/01/2020</a:t>
             </a:fld>
             <a:endParaRPr lang="fr-FR"/>
           </a:p>
@@ -3555,7 +3557,7 @@
           <a:p>
             <a:fld id="{877CF4EC-DB2E-4A3B-9CFF-FF60025AB359}" type="datetimeFigureOut">
               <a:rPr lang="fr-FR" smtClean="0"/>
-              <a:t>28/01/2020</a:t>
+              <a:t>29/01/2020</a:t>
             </a:fld>
             <a:endParaRPr lang="fr-FR"/>
           </a:p>
@@ -3852,7 +3854,7 @@
           <a:p>
             <a:fld id="{877CF4EC-DB2E-4A3B-9CFF-FF60025AB359}" type="datetimeFigureOut">
               <a:rPr lang="fr-FR" smtClean="0"/>
-              <a:t>28/01/2020</a:t>
+              <a:t>29/01/2020</a:t>
             </a:fld>
             <a:endParaRPr lang="fr-FR"/>
           </a:p>
@@ -4294,7 +4296,7 @@
           <a:p>
             <a:fld id="{877CF4EC-DB2E-4A3B-9CFF-FF60025AB359}" type="datetimeFigureOut">
               <a:rPr lang="fr-FR" smtClean="0"/>
-              <a:t>28/01/2020</a:t>
+              <a:t>29/01/2020</a:t>
             </a:fld>
             <a:endParaRPr lang="fr-FR"/>
           </a:p>
@@ -4412,7 +4414,7 @@
           <a:p>
             <a:fld id="{877CF4EC-DB2E-4A3B-9CFF-FF60025AB359}" type="datetimeFigureOut">
               <a:rPr lang="fr-FR" smtClean="0"/>
-              <a:t>28/01/2020</a:t>
+              <a:t>29/01/2020</a:t>
             </a:fld>
             <a:endParaRPr lang="fr-FR"/>
           </a:p>
@@ -4507,7 +4509,7 @@
           <a:p>
             <a:fld id="{877CF4EC-DB2E-4A3B-9CFF-FF60025AB359}" type="datetimeFigureOut">
               <a:rPr lang="fr-FR" smtClean="0"/>
-              <a:t>28/01/2020</a:t>
+              <a:t>29/01/2020</a:t>
             </a:fld>
             <a:endParaRPr lang="fr-FR"/>
           </a:p>
@@ -4790,7 +4792,7 @@
           <a:p>
             <a:fld id="{877CF4EC-DB2E-4A3B-9CFF-FF60025AB359}" type="datetimeFigureOut">
               <a:rPr lang="fr-FR" smtClean="0"/>
-              <a:t>28/01/2020</a:t>
+              <a:t>29/01/2020</a:t>
             </a:fld>
             <a:endParaRPr lang="fr-FR"/>
           </a:p>
@@ -5081,7 +5083,7 @@
           <a:p>
             <a:fld id="{877CF4EC-DB2E-4A3B-9CFF-FF60025AB359}" type="datetimeFigureOut">
               <a:rPr lang="fr-FR" smtClean="0"/>
-              <a:t>28/01/2020</a:t>
+              <a:t>29/01/2020</a:t>
             </a:fld>
             <a:endParaRPr lang="fr-FR"/>
           </a:p>
@@ -5611,7 +5613,7 @@
           <a:p>
             <a:fld id="{877CF4EC-DB2E-4A3B-9CFF-FF60025AB359}" type="datetimeFigureOut">
               <a:rPr lang="fr-FR" smtClean="0"/>
-              <a:t>28/01/2020</a:t>
+              <a:t>29/01/2020</a:t>
             </a:fld>
             <a:endParaRPr lang="fr-FR"/>
           </a:p>
@@ -6816,6 +6818,300 @@
 </p:sld>
 </file>
 
+<file path=ppt/slides/slide7.xml><?xml version="1.0" encoding="utf-8"?>
+<p:sld xmlns:a="http://schemas.openxmlformats.org/drawingml/2006/main" xmlns:r="http://schemas.openxmlformats.org/officeDocument/2006/relationships" xmlns:p="http://schemas.openxmlformats.org/presentationml/2006/main">
+  <p:cSld>
+    <p:spTree>
+      <p:nvGrpSpPr>
+        <p:cNvPr id="1" name=""/>
+        <p:cNvGrpSpPr/>
+        <p:nvPr/>
+      </p:nvGrpSpPr>
+      <p:grpSpPr>
+        <a:xfrm>
+          <a:off x="0" y="0"/>
+          <a:ext cx="0" cy="0"/>
+          <a:chOff x="0" y="0"/>
+          <a:chExt cx="0" cy="0"/>
+        </a:xfrm>
+      </p:grpSpPr>
+      <p:sp>
+        <p:nvSpPr>
+          <p:cNvPr id="2" name="Titre 1">
+            <a:extLst>
+              <a:ext uri="{FF2B5EF4-FFF2-40B4-BE49-F238E27FC236}">
+                <a16:creationId xmlns:a16="http://schemas.microsoft.com/office/drawing/2014/main" id="{F0E0B3B8-9885-4D30-BCD7-9247B325D4DB}"/>
+              </a:ext>
+            </a:extLst>
+          </p:cNvPr>
+          <p:cNvSpPr>
+            <a:spLocks noGrp="1"/>
+          </p:cNvSpPr>
+          <p:nvPr>
+            <p:ph type="title"/>
+          </p:nvPr>
+        </p:nvSpPr>
+        <p:spPr/>
+        <p:txBody>
+          <a:bodyPr/>
+          <a:lstStyle/>
+          <a:p>
+            <a:r>
+              <a:rPr lang="fr-FR" dirty="0"/>
+              <a:t>Classification</a:t>
+            </a:r>
+          </a:p>
+        </p:txBody>
+      </p:sp>
+      <p:sp>
+        <p:nvSpPr>
+          <p:cNvPr id="3" name="Espace réservé du contenu 2">
+            <a:extLst>
+              <a:ext uri="{FF2B5EF4-FFF2-40B4-BE49-F238E27FC236}">
+                <a16:creationId xmlns:a16="http://schemas.microsoft.com/office/drawing/2014/main" id="{1EBB7032-6C2F-4395-9947-5258F5F07202}"/>
+              </a:ext>
+            </a:extLst>
+          </p:cNvPr>
+          <p:cNvSpPr>
+            <a:spLocks noGrp="1"/>
+          </p:cNvSpPr>
+          <p:nvPr>
+            <p:ph idx="1"/>
+          </p:nvPr>
+        </p:nvSpPr>
+        <p:spPr>
+          <a:xfrm>
+            <a:off x="1484310" y="2938413"/>
+            <a:ext cx="10018713" cy="3124201"/>
+          </a:xfrm>
+        </p:spPr>
+        <p:txBody>
+          <a:bodyPr/>
+          <a:lstStyle/>
+          <a:p>
+            <a:pPr marL="0" indent="0">
+              <a:buNone/>
+            </a:pPr>
+            <a:r>
+              <a:rPr lang="fr-FR" dirty="0"/>
+              <a:t>Concernant la classification, j’ai utilisé 3 modèles :</a:t>
+            </a:r>
+          </a:p>
+          <a:p>
+            <a:r>
+              <a:rPr lang="fr-FR" dirty="0" err="1"/>
+              <a:t>Decision</a:t>
+            </a:r>
+            <a:r>
+              <a:rPr lang="fr-FR" dirty="0"/>
+              <a:t> </a:t>
+            </a:r>
+            <a:r>
+              <a:rPr lang="fr-FR" dirty="0" err="1"/>
+              <a:t>TreeClassifier</a:t>
+            </a:r>
+            <a:endParaRPr lang="fr-FR" dirty="0"/>
+          </a:p>
+          <a:p>
+            <a:r>
+              <a:rPr lang="fr-FR" dirty="0" err="1"/>
+              <a:t>RandomForest</a:t>
+            </a:r>
+            <a:endParaRPr lang="fr-FR" dirty="0"/>
+          </a:p>
+          <a:p>
+            <a:r>
+              <a:rPr lang="fr-FR" dirty="0" err="1"/>
+              <a:t>LinearSVM</a:t>
+            </a:r>
+            <a:endParaRPr lang="fr-FR" dirty="0"/>
+          </a:p>
+          <a:p>
+            <a:endParaRPr lang="fr-FR" dirty="0"/>
+          </a:p>
+        </p:txBody>
+      </p:sp>
+      <p:pic>
+        <p:nvPicPr>
+          <p:cNvPr id="6" name="Image 5">
+            <a:extLst>
+              <a:ext uri="{FF2B5EF4-FFF2-40B4-BE49-F238E27FC236}">
+                <a16:creationId xmlns:a16="http://schemas.microsoft.com/office/drawing/2014/main" id="{DA0E248E-641A-46AB-BF70-1CAF1E2E24E7}"/>
+              </a:ext>
+            </a:extLst>
+          </p:cNvPr>
+          <p:cNvPicPr>
+            <a:picLocks noChangeAspect="1"/>
+          </p:cNvPicPr>
+          <p:nvPr/>
+        </p:nvPicPr>
+        <p:blipFill>
+          <a:blip r:embed="rId2"/>
+          <a:stretch>
+            <a:fillRect/>
+          </a:stretch>
+        </p:blipFill>
+        <p:spPr>
+          <a:xfrm>
+            <a:off x="6096000" y="4500513"/>
+            <a:ext cx="5483155" cy="1263847"/>
+          </a:xfrm>
+          <a:prstGeom prst="rect">
+            <a:avLst/>
+          </a:prstGeom>
+          <a:ln w="12700" cap="sq">
+            <a:solidFill>
+              <a:srgbClr val="000000"/>
+            </a:solidFill>
+            <a:miter lim="800000"/>
+          </a:ln>
+          <a:effectLst/>
+        </p:spPr>
+      </p:pic>
+    </p:spTree>
+    <p:extLst>
+      <p:ext uri="{BB962C8B-B14F-4D97-AF65-F5344CB8AC3E}">
+        <p14:creationId xmlns:p14="http://schemas.microsoft.com/office/powerpoint/2010/main" val="1570029852"/>
+      </p:ext>
+    </p:extLst>
+  </p:cSld>
+  <p:clrMapOvr>
+    <a:masterClrMapping/>
+  </p:clrMapOvr>
+</p:sld>
+</file>
+
+<file path=ppt/slides/slide8.xml><?xml version="1.0" encoding="utf-8"?>
+<p:sld xmlns:a="http://schemas.openxmlformats.org/drawingml/2006/main" xmlns:r="http://schemas.openxmlformats.org/officeDocument/2006/relationships" xmlns:p="http://schemas.openxmlformats.org/presentationml/2006/main">
+  <p:cSld>
+    <p:spTree>
+      <p:nvGrpSpPr>
+        <p:cNvPr id="1" name=""/>
+        <p:cNvGrpSpPr/>
+        <p:nvPr/>
+      </p:nvGrpSpPr>
+      <p:grpSpPr>
+        <a:xfrm>
+          <a:off x="0" y="0"/>
+          <a:ext cx="0" cy="0"/>
+          <a:chOff x="0" y="0"/>
+          <a:chExt cx="0" cy="0"/>
+        </a:xfrm>
+      </p:grpSpPr>
+      <p:sp>
+        <p:nvSpPr>
+          <p:cNvPr id="2" name="Titre 1">
+            <a:extLst>
+              <a:ext uri="{FF2B5EF4-FFF2-40B4-BE49-F238E27FC236}">
+                <a16:creationId xmlns:a16="http://schemas.microsoft.com/office/drawing/2014/main" id="{F0E0B3B8-9885-4D30-BCD7-9247B325D4DB}"/>
+              </a:ext>
+            </a:extLst>
+          </p:cNvPr>
+          <p:cNvSpPr>
+            <a:spLocks noGrp="1"/>
+          </p:cNvSpPr>
+          <p:nvPr>
+            <p:ph type="title"/>
+          </p:nvPr>
+        </p:nvSpPr>
+        <p:spPr/>
+        <p:txBody>
+          <a:bodyPr/>
+          <a:lstStyle/>
+          <a:p>
+            <a:r>
+              <a:rPr lang="fr-FR" dirty="0"/>
+              <a:t>Classification</a:t>
+            </a:r>
+          </a:p>
+        </p:txBody>
+      </p:sp>
+      <p:sp>
+        <p:nvSpPr>
+          <p:cNvPr id="3" name="Espace réservé du contenu 2">
+            <a:extLst>
+              <a:ext uri="{FF2B5EF4-FFF2-40B4-BE49-F238E27FC236}">
+                <a16:creationId xmlns:a16="http://schemas.microsoft.com/office/drawing/2014/main" id="{1EBB7032-6C2F-4395-9947-5258F5F07202}"/>
+              </a:ext>
+            </a:extLst>
+          </p:cNvPr>
+          <p:cNvSpPr>
+            <a:spLocks noGrp="1"/>
+          </p:cNvSpPr>
+          <p:nvPr>
+            <p:ph idx="1"/>
+          </p:nvPr>
+        </p:nvSpPr>
+        <p:spPr>
+          <a:xfrm>
+            <a:off x="1484311" y="1562099"/>
+            <a:ext cx="10018713" cy="3124201"/>
+          </a:xfrm>
+        </p:spPr>
+        <p:txBody>
+          <a:bodyPr/>
+          <a:lstStyle/>
+          <a:p>
+            <a:pPr marL="0" indent="0">
+              <a:buNone/>
+            </a:pPr>
+            <a:r>
+              <a:rPr lang="fr-FR" dirty="0"/>
+              <a:t>Pour chaque modèle, j’ai affiché la matrice de confusion et le rapport de classification :</a:t>
+            </a:r>
+          </a:p>
+        </p:txBody>
+      </p:sp>
+      <p:pic>
+        <p:nvPicPr>
+          <p:cNvPr id="6" name="Image 5">
+            <a:extLst>
+              <a:ext uri="{FF2B5EF4-FFF2-40B4-BE49-F238E27FC236}">
+                <a16:creationId xmlns:a16="http://schemas.microsoft.com/office/drawing/2014/main" id="{3D4BA1EE-53F2-491B-98E7-FEA1F6B5C45E}"/>
+              </a:ext>
+            </a:extLst>
+          </p:cNvPr>
+          <p:cNvPicPr>
+            <a:picLocks noChangeAspect="1"/>
+          </p:cNvPicPr>
+          <p:nvPr/>
+        </p:nvPicPr>
+        <p:blipFill>
+          <a:blip r:embed="rId2"/>
+          <a:stretch>
+            <a:fillRect/>
+          </a:stretch>
+        </p:blipFill>
+        <p:spPr>
+          <a:xfrm>
+            <a:off x="4198240" y="3314698"/>
+            <a:ext cx="3795520" cy="3317131"/>
+          </a:xfrm>
+          <a:prstGeom prst="rect">
+            <a:avLst/>
+          </a:prstGeom>
+          <a:ln w="19050" cap="sq">
+            <a:solidFill>
+              <a:srgbClr val="000000"/>
+            </a:solidFill>
+            <a:miter lim="800000"/>
+          </a:ln>
+          <a:effectLst/>
+        </p:spPr>
+      </p:pic>
+    </p:spTree>
+    <p:extLst>
+      <p:ext uri="{BB962C8B-B14F-4D97-AF65-F5344CB8AC3E}">
+        <p14:creationId xmlns:p14="http://schemas.microsoft.com/office/powerpoint/2010/main" val="2526481614"/>
+      </p:ext>
+    </p:extLst>
+  </p:cSld>
+  <p:clrMapOvr>
+    <a:masterClrMapping/>
+  </p:clrMapOvr>
+</p:sld>
+</file>
+
 <file path=ppt/theme/theme1.xml><?xml version="1.0" encoding="utf-8"?>
 <a:theme xmlns:a="http://schemas.openxmlformats.org/drawingml/2006/main" name="Parallaxe">
   <a:themeElements>

--- a/PPT_python4data.pptx
+++ b/PPT_python4data.pptx
@@ -12,7 +12,11 @@
     <p:sldId id="260" r:id="rId6"/>
     <p:sldId id="261" r:id="rId7"/>
     <p:sldId id="263" r:id="rId8"/>
-    <p:sldId id="264" r:id="rId9"/>
+    <p:sldId id="265" r:id="rId9"/>
+    <p:sldId id="264" r:id="rId10"/>
+    <p:sldId id="266" r:id="rId11"/>
+    <p:sldId id="267" r:id="rId12"/>
+    <p:sldId id="268" r:id="rId13"/>
   </p:sldIdLst>
   <p:sldSz cx="12192000" cy="6858000"/>
   <p:notesSz cx="6858000" cy="9144000"/>
@@ -6213,6 +6217,415 @@
 </p:sld>
 </file>
 
+<file path=ppt/slides/slide10.xml><?xml version="1.0" encoding="utf-8"?>
+<p:sld xmlns:a="http://schemas.openxmlformats.org/drawingml/2006/main" xmlns:r="http://schemas.openxmlformats.org/officeDocument/2006/relationships" xmlns:p="http://schemas.openxmlformats.org/presentationml/2006/main">
+  <p:cSld>
+    <p:spTree>
+      <p:nvGrpSpPr>
+        <p:cNvPr id="1" name=""/>
+        <p:cNvGrpSpPr/>
+        <p:nvPr/>
+      </p:nvGrpSpPr>
+      <p:grpSpPr>
+        <a:xfrm>
+          <a:off x="0" y="0"/>
+          <a:ext cx="0" cy="0"/>
+          <a:chOff x="0" y="0"/>
+          <a:chExt cx="0" cy="0"/>
+        </a:xfrm>
+      </p:grpSpPr>
+      <p:sp>
+        <p:nvSpPr>
+          <p:cNvPr id="2" name="Titre 1">
+            <a:extLst>
+              <a:ext uri="{FF2B5EF4-FFF2-40B4-BE49-F238E27FC236}">
+                <a16:creationId xmlns:a16="http://schemas.microsoft.com/office/drawing/2014/main" id="{5A4D8377-6778-4546-B5D2-2C57190AF408}"/>
+              </a:ext>
+            </a:extLst>
+          </p:cNvPr>
+          <p:cNvSpPr>
+            <a:spLocks noGrp="1"/>
+          </p:cNvSpPr>
+          <p:nvPr>
+            <p:ph type="title"/>
+          </p:nvPr>
+        </p:nvSpPr>
+        <p:spPr/>
+        <p:txBody>
+          <a:bodyPr/>
+          <a:lstStyle/>
+          <a:p>
+            <a:r>
+              <a:rPr lang="fr-FR" dirty="0"/>
+              <a:t>Classification</a:t>
+            </a:r>
+          </a:p>
+        </p:txBody>
+      </p:sp>
+      <p:sp>
+        <p:nvSpPr>
+          <p:cNvPr id="3" name="Espace réservé du contenu 2">
+            <a:extLst>
+              <a:ext uri="{FF2B5EF4-FFF2-40B4-BE49-F238E27FC236}">
+                <a16:creationId xmlns:a16="http://schemas.microsoft.com/office/drawing/2014/main" id="{98C36075-8C4A-40CF-8ACE-F66298F5CB65}"/>
+              </a:ext>
+            </a:extLst>
+          </p:cNvPr>
+          <p:cNvSpPr>
+            <a:spLocks noGrp="1"/>
+          </p:cNvSpPr>
+          <p:nvPr>
+            <p:ph idx="1"/>
+          </p:nvPr>
+        </p:nvSpPr>
+        <p:spPr>
+          <a:xfrm>
+            <a:off x="1484310" y="1562099"/>
+            <a:ext cx="10018713" cy="3124201"/>
+          </a:xfrm>
+        </p:spPr>
+        <p:txBody>
+          <a:bodyPr/>
+          <a:lstStyle/>
+          <a:p>
+            <a:pPr marL="0" indent="0">
+              <a:buNone/>
+            </a:pPr>
+            <a:r>
+              <a:rPr lang="fr-FR" dirty="0"/>
+              <a:t>J’ai aussi décider d’afficher en nuage de point le résultat de la classification :</a:t>
+            </a:r>
+          </a:p>
+        </p:txBody>
+      </p:sp>
+      <p:pic>
+        <p:nvPicPr>
+          <p:cNvPr id="4" name="Image 3">
+            <a:extLst>
+              <a:ext uri="{FF2B5EF4-FFF2-40B4-BE49-F238E27FC236}">
+                <a16:creationId xmlns:a16="http://schemas.microsoft.com/office/drawing/2014/main" id="{42D9C4B6-0324-4EA3-BC72-B888E0A54BF2}"/>
+              </a:ext>
+            </a:extLst>
+          </p:cNvPr>
+          <p:cNvPicPr>
+            <a:picLocks noChangeAspect="1"/>
+          </p:cNvPicPr>
+          <p:nvPr/>
+        </p:nvPicPr>
+        <p:blipFill>
+          <a:blip r:embed="rId2"/>
+          <a:stretch>
+            <a:fillRect/>
+          </a:stretch>
+        </p:blipFill>
+        <p:spPr>
+          <a:xfrm>
+            <a:off x="2199756" y="3570280"/>
+            <a:ext cx="8587819" cy="2729462"/>
+          </a:xfrm>
+          <a:prstGeom prst="rect">
+            <a:avLst/>
+          </a:prstGeom>
+          <a:ln w="12700" cap="sq">
+            <a:solidFill>
+              <a:srgbClr val="000000"/>
+            </a:solidFill>
+            <a:miter lim="800000"/>
+          </a:ln>
+          <a:effectLst/>
+        </p:spPr>
+      </p:pic>
+    </p:spTree>
+    <p:extLst>
+      <p:ext uri="{BB962C8B-B14F-4D97-AF65-F5344CB8AC3E}">
+        <p14:creationId xmlns:p14="http://schemas.microsoft.com/office/powerpoint/2010/main" val="1822772261"/>
+      </p:ext>
+    </p:extLst>
+  </p:cSld>
+  <p:clrMapOvr>
+    <a:masterClrMapping/>
+  </p:clrMapOvr>
+</p:sld>
+</file>
+
+<file path=ppt/slides/slide11.xml><?xml version="1.0" encoding="utf-8"?>
+<p:sld xmlns:a="http://schemas.openxmlformats.org/drawingml/2006/main" xmlns:r="http://schemas.openxmlformats.org/officeDocument/2006/relationships" xmlns:p="http://schemas.openxmlformats.org/presentationml/2006/main">
+  <p:cSld>
+    <p:spTree>
+      <p:nvGrpSpPr>
+        <p:cNvPr id="1" name=""/>
+        <p:cNvGrpSpPr/>
+        <p:nvPr/>
+      </p:nvGrpSpPr>
+      <p:grpSpPr>
+        <a:xfrm>
+          <a:off x="0" y="0"/>
+          <a:ext cx="0" cy="0"/>
+          <a:chOff x="0" y="0"/>
+          <a:chExt cx="0" cy="0"/>
+        </a:xfrm>
+      </p:grpSpPr>
+      <p:sp>
+        <p:nvSpPr>
+          <p:cNvPr id="2" name="Titre 1">
+            <a:extLst>
+              <a:ext uri="{FF2B5EF4-FFF2-40B4-BE49-F238E27FC236}">
+                <a16:creationId xmlns:a16="http://schemas.microsoft.com/office/drawing/2014/main" id="{535DB772-C7FB-49DE-A50E-3FAA4C66CC25}"/>
+              </a:ext>
+            </a:extLst>
+          </p:cNvPr>
+          <p:cNvSpPr>
+            <a:spLocks noGrp="1"/>
+          </p:cNvSpPr>
+          <p:nvPr>
+            <p:ph type="title"/>
+          </p:nvPr>
+        </p:nvSpPr>
+        <p:spPr/>
+        <p:txBody>
+          <a:bodyPr/>
+          <a:lstStyle/>
+          <a:p>
+            <a:r>
+              <a:rPr lang="fr-FR" dirty="0"/>
+              <a:t>Scores classification</a:t>
+            </a:r>
+          </a:p>
+        </p:txBody>
+      </p:sp>
+      <p:sp>
+        <p:nvSpPr>
+          <p:cNvPr id="3" name="Espace réservé du contenu 2">
+            <a:extLst>
+              <a:ext uri="{FF2B5EF4-FFF2-40B4-BE49-F238E27FC236}">
+                <a16:creationId xmlns:a16="http://schemas.microsoft.com/office/drawing/2014/main" id="{48112D5D-F892-4AE8-98C8-61C517CB3871}"/>
+              </a:ext>
+            </a:extLst>
+          </p:cNvPr>
+          <p:cNvSpPr>
+            <a:spLocks noGrp="1"/>
+          </p:cNvSpPr>
+          <p:nvPr>
+            <p:ph idx="1"/>
+          </p:nvPr>
+        </p:nvSpPr>
+        <p:spPr/>
+        <p:txBody>
+          <a:bodyPr/>
+          <a:lstStyle/>
+          <a:p>
+            <a:r>
+              <a:rPr lang="fr-FR" dirty="0" err="1"/>
+              <a:t>DecisionTreeClassifier</a:t>
+            </a:r>
+            <a:r>
+              <a:rPr lang="fr-FR" dirty="0"/>
+              <a:t> : environ 80%</a:t>
+            </a:r>
+          </a:p>
+          <a:p>
+            <a:r>
+              <a:rPr lang="fr-FR" dirty="0" err="1"/>
+              <a:t>RandomForest</a:t>
+            </a:r>
+            <a:r>
+              <a:rPr lang="fr-FR" dirty="0"/>
+              <a:t> : environ 88%</a:t>
+            </a:r>
+          </a:p>
+          <a:p>
+            <a:r>
+              <a:rPr lang="fr-FR" dirty="0" err="1"/>
+              <a:t>LinearSVM</a:t>
+            </a:r>
+            <a:r>
+              <a:rPr lang="fr-FR" dirty="0"/>
+              <a:t> : environ 95%</a:t>
+            </a:r>
+          </a:p>
+        </p:txBody>
+      </p:sp>
+    </p:spTree>
+    <p:extLst>
+      <p:ext uri="{BB962C8B-B14F-4D97-AF65-F5344CB8AC3E}">
+        <p14:creationId xmlns:p14="http://schemas.microsoft.com/office/powerpoint/2010/main" val="419163301"/>
+      </p:ext>
+    </p:extLst>
+  </p:cSld>
+  <p:clrMapOvr>
+    <a:masterClrMapping/>
+  </p:clrMapOvr>
+</p:sld>
+</file>
+
+<file path=ppt/slides/slide12.xml><?xml version="1.0" encoding="utf-8"?>
+<p:sld xmlns:a="http://schemas.openxmlformats.org/drawingml/2006/main" xmlns:r="http://schemas.openxmlformats.org/officeDocument/2006/relationships" xmlns:p="http://schemas.openxmlformats.org/presentationml/2006/main">
+  <p:cSld>
+    <p:spTree>
+      <p:nvGrpSpPr>
+        <p:cNvPr id="1" name=""/>
+        <p:cNvGrpSpPr/>
+        <p:nvPr/>
+      </p:nvGrpSpPr>
+      <p:grpSpPr>
+        <a:xfrm>
+          <a:off x="0" y="0"/>
+          <a:ext cx="0" cy="0"/>
+          <a:chOff x="0" y="0"/>
+          <a:chExt cx="0" cy="0"/>
+        </a:xfrm>
+      </p:grpSpPr>
+      <p:sp>
+        <p:nvSpPr>
+          <p:cNvPr id="2" name="Titre 1">
+            <a:extLst>
+              <a:ext uri="{FF2B5EF4-FFF2-40B4-BE49-F238E27FC236}">
+                <a16:creationId xmlns:a16="http://schemas.microsoft.com/office/drawing/2014/main" id="{89971748-640A-4924-9FAF-83A092AF388B}"/>
+              </a:ext>
+            </a:extLst>
+          </p:cNvPr>
+          <p:cNvSpPr>
+            <a:spLocks noGrp="1"/>
+          </p:cNvSpPr>
+          <p:nvPr>
+            <p:ph type="title"/>
+          </p:nvPr>
+        </p:nvSpPr>
+        <p:spPr/>
+        <p:txBody>
+          <a:bodyPr/>
+          <a:lstStyle/>
+          <a:p>
+            <a:r>
+              <a:rPr lang="fr-FR" dirty="0"/>
+              <a:t>Modification du </a:t>
+            </a:r>
+            <a:r>
+              <a:rPr lang="fr-FR" dirty="0" err="1"/>
+              <a:t>dataset</a:t>
+            </a:r>
+            <a:endParaRPr lang="fr-FR" dirty="0"/>
+          </a:p>
+        </p:txBody>
+      </p:sp>
+      <p:sp>
+        <p:nvSpPr>
+          <p:cNvPr id="3" name="Espace réservé du contenu 2">
+            <a:extLst>
+              <a:ext uri="{FF2B5EF4-FFF2-40B4-BE49-F238E27FC236}">
+                <a16:creationId xmlns:a16="http://schemas.microsoft.com/office/drawing/2014/main" id="{43A9D722-D0AE-43A3-9FEE-2DB7C16E8C44}"/>
+              </a:ext>
+            </a:extLst>
+          </p:cNvPr>
+          <p:cNvSpPr>
+            <a:spLocks noGrp="1"/>
+          </p:cNvSpPr>
+          <p:nvPr>
+            <p:ph idx="1"/>
+          </p:nvPr>
+        </p:nvSpPr>
+        <p:spPr>
+          <a:xfrm>
+            <a:off x="1484311" y="1562099"/>
+            <a:ext cx="10018713" cy="3124201"/>
+          </a:xfrm>
+        </p:spPr>
+        <p:txBody>
+          <a:bodyPr/>
+          <a:lstStyle/>
+          <a:p>
+            <a:pPr marL="0" indent="0" algn="just">
+              <a:buNone/>
+            </a:pPr>
+            <a:r>
+              <a:rPr lang="fr-FR" dirty="0"/>
+              <a:t>Maintenant qu’on a obtenu des scores pour chaque modèle sur le </a:t>
+            </a:r>
+            <a:r>
+              <a:rPr lang="fr-FR" dirty="0" err="1"/>
+              <a:t>dataset</a:t>
+            </a:r>
+            <a:r>
+              <a:rPr lang="fr-FR" dirty="0"/>
+              <a:t> non modifié, j’ai conserver les </a:t>
+            </a:r>
+            <a:r>
+              <a:rPr lang="fr-FR" dirty="0" err="1"/>
+              <a:t>features</a:t>
+            </a:r>
+            <a:r>
+              <a:rPr lang="fr-FR" dirty="0"/>
+              <a:t> dont la variance (dispersion) est la plus forte pour alléger mon </a:t>
+            </a:r>
+            <a:r>
+              <a:rPr lang="fr-FR" dirty="0" err="1"/>
+              <a:t>dataset</a:t>
+            </a:r>
+            <a:r>
+              <a:rPr lang="fr-FR" dirty="0"/>
+              <a:t> mais pour tout de même conserver de la précision. Pour illustrer ces modifications de </a:t>
+            </a:r>
+            <a:r>
+              <a:rPr lang="fr-FR" dirty="0" err="1"/>
+              <a:t>dataset</a:t>
+            </a:r>
+            <a:r>
+              <a:rPr lang="fr-FR" dirty="0"/>
+              <a:t>, j’ai ajouté ce graphique : </a:t>
+            </a:r>
+          </a:p>
+        </p:txBody>
+      </p:sp>
+      <p:pic>
+        <p:nvPicPr>
+          <p:cNvPr id="4" name="Image 3">
+            <a:extLst>
+              <a:ext uri="{FF2B5EF4-FFF2-40B4-BE49-F238E27FC236}">
+                <a16:creationId xmlns:a16="http://schemas.microsoft.com/office/drawing/2014/main" id="{28464891-F4DF-4949-8597-018AB9A2F3AE}"/>
+              </a:ext>
+            </a:extLst>
+          </p:cNvPr>
+          <p:cNvPicPr>
+            <a:picLocks noChangeAspect="1"/>
+          </p:cNvPicPr>
+          <p:nvPr/>
+        </p:nvPicPr>
+        <p:blipFill>
+          <a:blip r:embed="rId2"/>
+          <a:stretch>
+            <a:fillRect/>
+          </a:stretch>
+        </p:blipFill>
+        <p:spPr>
+          <a:xfrm>
+            <a:off x="3865406" y="3947328"/>
+            <a:ext cx="4461187" cy="2697145"/>
+          </a:xfrm>
+          <a:prstGeom prst="rect">
+            <a:avLst/>
+          </a:prstGeom>
+          <a:ln w="19050" cap="sq">
+            <a:solidFill>
+              <a:srgbClr val="000000"/>
+            </a:solidFill>
+            <a:miter lim="800000"/>
+          </a:ln>
+          <a:effectLst/>
+        </p:spPr>
+      </p:pic>
+    </p:spTree>
+    <p:extLst>
+      <p:ext uri="{BB962C8B-B14F-4D97-AF65-F5344CB8AC3E}">
+        <p14:creationId xmlns:p14="http://schemas.microsoft.com/office/powerpoint/2010/main" val="259880459"/>
+      </p:ext>
+    </p:extLst>
+  </p:cSld>
+  <p:clrMapOvr>
+    <a:masterClrMapping/>
+  </p:clrMapOvr>
+</p:sld>
+</file>
+
 <file path=ppt/slides/slide2.xml><?xml version="1.0" encoding="utf-8"?>
 <p:sld xmlns:a="http://schemas.openxmlformats.org/drawingml/2006/main" xmlns:r="http://schemas.openxmlformats.org/officeDocument/2006/relationships" xmlns:p="http://schemas.openxmlformats.org/presentationml/2006/main">
   <p:cSld>
@@ -6982,6 +7395,128 @@
 </file>
 
 <file path=ppt/slides/slide8.xml><?xml version="1.0" encoding="utf-8"?>
+<p:sld xmlns:a="http://schemas.openxmlformats.org/drawingml/2006/main" xmlns:r="http://schemas.openxmlformats.org/officeDocument/2006/relationships" xmlns:p="http://schemas.openxmlformats.org/presentationml/2006/main">
+  <p:cSld>
+    <p:spTree>
+      <p:nvGrpSpPr>
+        <p:cNvPr id="1" name=""/>
+        <p:cNvGrpSpPr/>
+        <p:nvPr/>
+      </p:nvGrpSpPr>
+      <p:grpSpPr>
+        <a:xfrm>
+          <a:off x="0" y="0"/>
+          <a:ext cx="0" cy="0"/>
+          <a:chOff x="0" y="0"/>
+          <a:chExt cx="0" cy="0"/>
+        </a:xfrm>
+      </p:grpSpPr>
+      <p:sp>
+        <p:nvSpPr>
+          <p:cNvPr id="2" name="Titre 1">
+            <a:extLst>
+              <a:ext uri="{FF2B5EF4-FFF2-40B4-BE49-F238E27FC236}">
+                <a16:creationId xmlns:a16="http://schemas.microsoft.com/office/drawing/2014/main" id="{652FE4B4-423A-40BB-9FDA-492DB4B74326}"/>
+              </a:ext>
+            </a:extLst>
+          </p:cNvPr>
+          <p:cNvSpPr>
+            <a:spLocks noGrp="1"/>
+          </p:cNvSpPr>
+          <p:nvPr>
+            <p:ph type="title"/>
+          </p:nvPr>
+        </p:nvSpPr>
+        <p:spPr/>
+        <p:txBody>
+          <a:bodyPr/>
+          <a:lstStyle/>
+          <a:p>
+            <a:r>
+              <a:rPr lang="fr-FR" dirty="0"/>
+              <a:t>Classification</a:t>
+            </a:r>
+          </a:p>
+        </p:txBody>
+      </p:sp>
+      <p:sp>
+        <p:nvSpPr>
+          <p:cNvPr id="3" name="Espace réservé du contenu 2">
+            <a:extLst>
+              <a:ext uri="{FF2B5EF4-FFF2-40B4-BE49-F238E27FC236}">
+                <a16:creationId xmlns:a16="http://schemas.microsoft.com/office/drawing/2014/main" id="{D7982775-4866-4315-93EE-192057B00A42}"/>
+              </a:ext>
+            </a:extLst>
+          </p:cNvPr>
+          <p:cNvSpPr>
+            <a:spLocks noGrp="1"/>
+          </p:cNvSpPr>
+          <p:nvPr>
+            <p:ph idx="1"/>
+          </p:nvPr>
+        </p:nvSpPr>
+        <p:spPr/>
+        <p:txBody>
+          <a:bodyPr/>
+          <a:lstStyle/>
+          <a:p>
+            <a:pPr marL="0" indent="0" algn="just">
+              <a:buNone/>
+            </a:pPr>
+            <a:r>
+              <a:rPr lang="fr-FR" dirty="0"/>
+              <a:t>Dans un premier temps, j’ai appliqué les modèles énoncés dans la slide précédente sur le </a:t>
+            </a:r>
+            <a:r>
+              <a:rPr lang="fr-FR" dirty="0" err="1"/>
+              <a:t>dataset</a:t>
+            </a:r>
+            <a:r>
+              <a:rPr lang="fr-FR" dirty="0"/>
+              <a:t> complet (donc les 560 </a:t>
+            </a:r>
+            <a:r>
+              <a:rPr lang="fr-FR" dirty="0" err="1"/>
+              <a:t>features</a:t>
+            </a:r>
+            <a:r>
+              <a:rPr lang="fr-FR" dirty="0"/>
+              <a:t>).</a:t>
+            </a:r>
+          </a:p>
+          <a:p>
+            <a:pPr marL="0" indent="0" algn="just">
+              <a:buNone/>
+            </a:pPr>
+            <a:r>
+              <a:rPr lang="fr-FR" dirty="0"/>
+              <a:t>L’objectif ici est de tester chaque modèle sans aucune modification sur le </a:t>
+            </a:r>
+            <a:r>
+              <a:rPr lang="fr-FR" dirty="0" err="1"/>
+              <a:t>dataset</a:t>
+            </a:r>
+            <a:r>
+              <a:rPr lang="fr-FR" dirty="0"/>
+              <a:t> pour comparer les résultats une fois qu’on l’aura modifié.</a:t>
+            </a:r>
+          </a:p>
+        </p:txBody>
+      </p:sp>
+    </p:spTree>
+    <p:extLst>
+      <p:ext uri="{BB962C8B-B14F-4D97-AF65-F5344CB8AC3E}">
+        <p14:creationId xmlns:p14="http://schemas.microsoft.com/office/powerpoint/2010/main" val="2914398206"/>
+      </p:ext>
+    </p:extLst>
+  </p:cSld>
+  <p:clrMapOvr>
+    <a:masterClrMapping/>
+  </p:clrMapOvr>
+</p:sld>
+</file>
+
+<file path=ppt/slides/slide9.xml><?xml version="1.0" encoding="utf-8"?>
 <p:sld xmlns:a="http://schemas.openxmlformats.org/drawingml/2006/main" xmlns:r="http://schemas.openxmlformats.org/officeDocument/2006/relationships" xmlns:p="http://schemas.openxmlformats.org/presentationml/2006/main">
   <p:cSld>
     <p:spTree>

--- a/PPT_python4data.pptx
+++ b/PPT_python4data.pptx
@@ -17,6 +17,7 @@
     <p:sldId id="266" r:id="rId11"/>
     <p:sldId id="267" r:id="rId12"/>
     <p:sldId id="268" r:id="rId13"/>
+    <p:sldId id="269" r:id="rId14"/>
   </p:sldIdLst>
   <p:sldSz cx="12192000" cy="6858000"/>
   <p:notesSz cx="6858000" cy="9144000"/>
@@ -625,7 +626,7 @@
           <a:p>
             <a:fld id="{877CF4EC-DB2E-4A3B-9CFF-FF60025AB359}" type="datetimeFigureOut">
               <a:rPr lang="fr-FR" smtClean="0"/>
-              <a:t>29/01/2020</a:t>
+              <a:t>31/01/2020</a:t>
             </a:fld>
             <a:endParaRPr lang="fr-FR"/>
           </a:p>
@@ -921,7 +922,7 @@
           <a:p>
             <a:fld id="{877CF4EC-DB2E-4A3B-9CFF-FF60025AB359}" type="datetimeFigureOut">
               <a:rPr lang="fr-FR" smtClean="0"/>
-              <a:t>29/01/2020</a:t>
+              <a:t>31/01/2020</a:t>
             </a:fld>
             <a:endParaRPr lang="fr-FR"/>
           </a:p>
@@ -1169,7 +1170,7 @@
           <a:p>
             <a:fld id="{877CF4EC-DB2E-4A3B-9CFF-FF60025AB359}" type="datetimeFigureOut">
               <a:rPr lang="fr-FR" smtClean="0"/>
-              <a:t>29/01/2020</a:t>
+              <a:t>31/01/2020</a:t>
             </a:fld>
             <a:endParaRPr lang="fr-FR"/>
           </a:p>
@@ -1709,7 +1710,7 @@
           <a:p>
             <a:fld id="{877CF4EC-DB2E-4A3B-9CFF-FF60025AB359}" type="datetimeFigureOut">
               <a:rPr lang="fr-FR" smtClean="0"/>
-              <a:t>29/01/2020</a:t>
+              <a:t>31/01/2020</a:t>
             </a:fld>
             <a:endParaRPr lang="fr-FR"/>
           </a:p>
@@ -1957,7 +1958,7 @@
           <a:p>
             <a:fld id="{877CF4EC-DB2E-4A3B-9CFF-FF60025AB359}" type="datetimeFigureOut">
               <a:rPr lang="fr-FR" smtClean="0"/>
-              <a:t>29/01/2020</a:t>
+              <a:t>31/01/2020</a:t>
             </a:fld>
             <a:endParaRPr lang="fr-FR"/>
           </a:p>
@@ -2489,7 +2490,7 @@
           <a:p>
             <a:fld id="{877CF4EC-DB2E-4A3B-9CFF-FF60025AB359}" type="datetimeFigureOut">
               <a:rPr lang="fr-FR" smtClean="0"/>
-              <a:t>29/01/2020</a:t>
+              <a:t>31/01/2020</a:t>
             </a:fld>
             <a:endParaRPr lang="fr-FR"/>
           </a:p>
@@ -2786,7 +2787,7 @@
           <a:p>
             <a:fld id="{877CF4EC-DB2E-4A3B-9CFF-FF60025AB359}" type="datetimeFigureOut">
               <a:rPr lang="fr-FR" smtClean="0"/>
-              <a:t>29/01/2020</a:t>
+              <a:t>31/01/2020</a:t>
             </a:fld>
             <a:endParaRPr lang="fr-FR"/>
           </a:p>
@@ -2960,7 +2961,7 @@
           <a:p>
             <a:fld id="{877CF4EC-DB2E-4A3B-9CFF-FF60025AB359}" type="datetimeFigureOut">
               <a:rPr lang="fr-FR" smtClean="0"/>
-              <a:t>29/01/2020</a:t>
+              <a:t>31/01/2020</a:t>
             </a:fld>
             <a:endParaRPr lang="fr-FR"/>
           </a:p>
@@ -3140,7 +3141,7 @@
           <a:p>
             <a:fld id="{877CF4EC-DB2E-4A3B-9CFF-FF60025AB359}" type="datetimeFigureOut">
               <a:rPr lang="fr-FR" smtClean="0"/>
-              <a:t>29/01/2020</a:t>
+              <a:t>31/01/2020</a:t>
             </a:fld>
             <a:endParaRPr lang="fr-FR"/>
           </a:p>
@@ -3310,7 +3311,7 @@
           <a:p>
             <a:fld id="{877CF4EC-DB2E-4A3B-9CFF-FF60025AB359}" type="datetimeFigureOut">
               <a:rPr lang="fr-FR" smtClean="0"/>
-              <a:t>29/01/2020</a:t>
+              <a:t>31/01/2020</a:t>
             </a:fld>
             <a:endParaRPr lang="fr-FR"/>
           </a:p>
@@ -3561,7 +3562,7 @@
           <a:p>
             <a:fld id="{877CF4EC-DB2E-4A3B-9CFF-FF60025AB359}" type="datetimeFigureOut">
               <a:rPr lang="fr-FR" smtClean="0"/>
-              <a:t>29/01/2020</a:t>
+              <a:t>31/01/2020</a:t>
             </a:fld>
             <a:endParaRPr lang="fr-FR"/>
           </a:p>
@@ -3858,7 +3859,7 @@
           <a:p>
             <a:fld id="{877CF4EC-DB2E-4A3B-9CFF-FF60025AB359}" type="datetimeFigureOut">
               <a:rPr lang="fr-FR" smtClean="0"/>
-              <a:t>29/01/2020</a:t>
+              <a:t>31/01/2020</a:t>
             </a:fld>
             <a:endParaRPr lang="fr-FR"/>
           </a:p>
@@ -4300,7 +4301,7 @@
           <a:p>
             <a:fld id="{877CF4EC-DB2E-4A3B-9CFF-FF60025AB359}" type="datetimeFigureOut">
               <a:rPr lang="fr-FR" smtClean="0"/>
-              <a:t>29/01/2020</a:t>
+              <a:t>31/01/2020</a:t>
             </a:fld>
             <a:endParaRPr lang="fr-FR"/>
           </a:p>
@@ -4418,7 +4419,7 @@
           <a:p>
             <a:fld id="{877CF4EC-DB2E-4A3B-9CFF-FF60025AB359}" type="datetimeFigureOut">
               <a:rPr lang="fr-FR" smtClean="0"/>
-              <a:t>29/01/2020</a:t>
+              <a:t>31/01/2020</a:t>
             </a:fld>
             <a:endParaRPr lang="fr-FR"/>
           </a:p>
@@ -4513,7 +4514,7 @@
           <a:p>
             <a:fld id="{877CF4EC-DB2E-4A3B-9CFF-FF60025AB359}" type="datetimeFigureOut">
               <a:rPr lang="fr-FR" smtClean="0"/>
-              <a:t>29/01/2020</a:t>
+              <a:t>31/01/2020</a:t>
             </a:fld>
             <a:endParaRPr lang="fr-FR"/>
           </a:p>
@@ -4796,7 +4797,7 @@
           <a:p>
             <a:fld id="{877CF4EC-DB2E-4A3B-9CFF-FF60025AB359}" type="datetimeFigureOut">
               <a:rPr lang="fr-FR" smtClean="0"/>
-              <a:t>29/01/2020</a:t>
+              <a:t>31/01/2020</a:t>
             </a:fld>
             <a:endParaRPr lang="fr-FR"/>
           </a:p>
@@ -5087,7 +5088,7 @@
           <a:p>
             <a:fld id="{877CF4EC-DB2E-4A3B-9CFF-FF60025AB359}" type="datetimeFigureOut">
               <a:rPr lang="fr-FR" smtClean="0"/>
-              <a:t>29/01/2020</a:t>
+              <a:t>31/01/2020</a:t>
             </a:fld>
             <a:endParaRPr lang="fr-FR"/>
           </a:p>
@@ -5617,7 +5618,7 @@
           <a:p>
             <a:fld id="{877CF4EC-DB2E-4A3B-9CFF-FF60025AB359}" type="datetimeFigureOut">
               <a:rPr lang="fr-FR" smtClean="0"/>
-              <a:t>29/01/2020</a:t>
+              <a:t>31/01/2020</a:t>
             </a:fld>
             <a:endParaRPr lang="fr-FR"/>
           </a:p>
@@ -6443,6 +6444,12 @@
               <a:t> : environ 95%</a:t>
             </a:r>
           </a:p>
+          <a:p>
+            <a:r>
+              <a:rPr lang="fr-FR" dirty="0"/>
+              <a:t>KNN : environ 88%</a:t>
+            </a:r>
+          </a:p>
         </p:txBody>
       </p:sp>
     </p:spTree>
@@ -6555,7 +6562,7 @@
             </a:r>
             <a:r>
               <a:rPr lang="fr-FR" dirty="0"/>
-              <a:t> dont la variance (dispersion) est la plus forte pour alléger mon </a:t>
+              <a:t>, dont la variance (dispersion) est la plus forte pour alléger mon </a:t>
             </a:r>
             <a:r>
               <a:rPr lang="fr-FR" dirty="0" err="1"/>
@@ -6578,10 +6585,10 @@
       </p:sp>
       <p:pic>
         <p:nvPicPr>
-          <p:cNvPr id="4" name="Image 3">
+          <p:cNvPr id="5" name="Image 4">
             <a:extLst>
               <a:ext uri="{FF2B5EF4-FFF2-40B4-BE49-F238E27FC236}">
-                <a16:creationId xmlns:a16="http://schemas.microsoft.com/office/drawing/2014/main" id="{28464891-F4DF-4949-8597-018AB9A2F3AE}"/>
+                <a16:creationId xmlns:a16="http://schemas.microsoft.com/office/drawing/2014/main" id="{8E0B6A8F-A982-4775-B31D-F49E66E1C155}"/>
               </a:ext>
             </a:extLst>
           </p:cNvPr>
@@ -6598,8 +6605,8 @@
         </p:blipFill>
         <p:spPr>
           <a:xfrm>
-            <a:off x="3865406" y="3947328"/>
-            <a:ext cx="4461187" cy="2697145"/>
+            <a:off x="3882755" y="4031087"/>
+            <a:ext cx="4426490" cy="2667620"/>
           </a:xfrm>
           <a:prstGeom prst="rect">
             <a:avLst/>
@@ -6617,6 +6624,130 @@
     <p:extLst>
       <p:ext uri="{BB962C8B-B14F-4D97-AF65-F5344CB8AC3E}">
         <p14:creationId xmlns:p14="http://schemas.microsoft.com/office/powerpoint/2010/main" val="259880459"/>
+      </p:ext>
+    </p:extLst>
+  </p:cSld>
+  <p:clrMapOvr>
+    <a:masterClrMapping/>
+  </p:clrMapOvr>
+</p:sld>
+</file>
+
+<file path=ppt/slides/slide13.xml><?xml version="1.0" encoding="utf-8"?>
+<p:sld xmlns:a="http://schemas.openxmlformats.org/drawingml/2006/main" xmlns:r="http://schemas.openxmlformats.org/officeDocument/2006/relationships" xmlns:p="http://schemas.openxmlformats.org/presentationml/2006/main">
+  <p:cSld>
+    <p:spTree>
+      <p:nvGrpSpPr>
+        <p:cNvPr id="1" name=""/>
+        <p:cNvGrpSpPr/>
+        <p:nvPr/>
+      </p:nvGrpSpPr>
+      <p:grpSpPr>
+        <a:xfrm>
+          <a:off x="0" y="0"/>
+          <a:ext cx="0" cy="0"/>
+          <a:chOff x="0" y="0"/>
+          <a:chExt cx="0" cy="0"/>
+        </a:xfrm>
+      </p:grpSpPr>
+      <p:sp>
+        <p:nvSpPr>
+          <p:cNvPr id="2" name="Titre 1">
+            <a:extLst>
+              <a:ext uri="{FF2B5EF4-FFF2-40B4-BE49-F238E27FC236}">
+                <a16:creationId xmlns:a16="http://schemas.microsoft.com/office/drawing/2014/main" id="{D9CE5272-A343-4D49-BB9A-E940A931C193}"/>
+              </a:ext>
+            </a:extLst>
+          </p:cNvPr>
+          <p:cNvSpPr>
+            <a:spLocks noGrp="1"/>
+          </p:cNvSpPr>
+          <p:nvPr>
+            <p:ph type="title"/>
+          </p:nvPr>
+        </p:nvSpPr>
+        <p:spPr/>
+        <p:txBody>
+          <a:bodyPr/>
+          <a:lstStyle/>
+          <a:p>
+            <a:r>
+              <a:rPr lang="fr-FR" dirty="0"/>
+              <a:t>Hyperparamètres</a:t>
+            </a:r>
+          </a:p>
+        </p:txBody>
+      </p:sp>
+      <p:sp>
+        <p:nvSpPr>
+          <p:cNvPr id="3" name="Espace réservé du contenu 2">
+            <a:extLst>
+              <a:ext uri="{FF2B5EF4-FFF2-40B4-BE49-F238E27FC236}">
+                <a16:creationId xmlns:a16="http://schemas.microsoft.com/office/drawing/2014/main" id="{8C8CC65C-70A6-4B93-A550-37F48807EE7F}"/>
+              </a:ext>
+            </a:extLst>
+          </p:cNvPr>
+          <p:cNvSpPr>
+            <a:spLocks noGrp="1"/>
+          </p:cNvSpPr>
+          <p:nvPr>
+            <p:ph idx="1"/>
+          </p:nvPr>
+        </p:nvSpPr>
+        <p:spPr>
+          <a:xfrm>
+            <a:off x="1484311" y="1559349"/>
+            <a:ext cx="10018713" cy="3124201"/>
+          </a:xfrm>
+        </p:spPr>
+        <p:txBody>
+          <a:bodyPr/>
+          <a:lstStyle/>
+          <a:p>
+            <a:pPr marL="0" indent="0">
+              <a:buNone/>
+            </a:pPr>
+            <a:r>
+              <a:rPr lang="fr-FR" dirty="0"/>
+              <a:t>J’ai utilisé une </a:t>
+            </a:r>
+            <a:r>
+              <a:rPr lang="fr-FR" dirty="0" err="1"/>
+              <a:t>GridSearch</a:t>
+            </a:r>
+            <a:r>
+              <a:rPr lang="fr-FR" dirty="0"/>
+              <a:t> pour rechercher les meilleurs </a:t>
+            </a:r>
+            <a:r>
+              <a:rPr lang="fr-FR" dirty="0" err="1"/>
+              <a:t>features</a:t>
+            </a:r>
+            <a:r>
+              <a:rPr lang="fr-FR" dirty="0"/>
+              <a:t> du </a:t>
+            </a:r>
+            <a:r>
+              <a:rPr lang="fr-FR" dirty="0" err="1"/>
+              <a:t>dataset</a:t>
+            </a:r>
+            <a:r>
+              <a:rPr lang="fr-FR" dirty="0"/>
+              <a:t>.</a:t>
+            </a:r>
+          </a:p>
+          <a:p>
+            <a:pPr marL="0" indent="0">
+              <a:buNone/>
+            </a:pPr>
+            <a:endParaRPr lang="fr-FR" dirty="0"/>
+          </a:p>
+        </p:txBody>
+      </p:sp>
+    </p:spTree>
+    <p:extLst>
+      <p:ext uri="{BB962C8B-B14F-4D97-AF65-F5344CB8AC3E}">
+        <p14:creationId xmlns:p14="http://schemas.microsoft.com/office/powerpoint/2010/main" val="1420518461"/>
       </p:ext>
     </p:extLst>
   </p:cSld>
@@ -6899,10 +7030,10 @@
       </p:sp>
       <p:pic>
         <p:nvPicPr>
-          <p:cNvPr id="4" name="Image 3">
+          <p:cNvPr id="5" name="Image 4">
             <a:extLst>
               <a:ext uri="{FF2B5EF4-FFF2-40B4-BE49-F238E27FC236}">
-                <a16:creationId xmlns:a16="http://schemas.microsoft.com/office/drawing/2014/main" id="{5A40CD17-70B9-4354-B29E-87253797F881}"/>
+                <a16:creationId xmlns:a16="http://schemas.microsoft.com/office/drawing/2014/main" id="{BC8FECBD-F187-4951-BAE7-299EADC7C370}"/>
               </a:ext>
             </a:extLst>
           </p:cNvPr>
@@ -6919,13 +7050,13 @@
         </p:blipFill>
         <p:spPr>
           <a:xfrm>
-            <a:off x="1843108" y="3660140"/>
-            <a:ext cx="9301115" cy="2052320"/>
+            <a:off x="2780522" y="3713502"/>
+            <a:ext cx="7434130" cy="2458698"/>
           </a:xfrm>
           <a:prstGeom prst="rect">
             <a:avLst/>
           </a:prstGeom>
-          <a:ln w="12700" cap="sq">
+          <a:ln w="19050" cap="sq">
             <a:solidFill>
               <a:srgbClr val="000000"/>
             </a:solidFill>
@@ -7307,7 +7438,7 @@
             </a:pPr>
             <a:r>
               <a:rPr lang="fr-FR" dirty="0"/>
-              <a:t>Concernant la classification, j’ai utilisé 3 modèles :</a:t>
+              <a:t>Concernant la classification, j’ai utilisé 4 modèles :</a:t>
             </a:r>
           </a:p>
           <a:p>
@@ -7338,6 +7469,20 @@
               <a:t>LinearSVM</a:t>
             </a:r>
             <a:endParaRPr lang="fr-FR" dirty="0"/>
+          </a:p>
+          <a:p>
+            <a:r>
+              <a:rPr lang="fr-FR" dirty="0"/>
+              <a:t>K-</a:t>
+            </a:r>
+            <a:r>
+              <a:rPr lang="fr-FR" dirty="0" err="1"/>
+              <a:t>Nearest</a:t>
+            </a:r>
+            <a:r>
+              <a:rPr lang="fr-FR" dirty="0"/>
+              <a:t> Neighbors (KNN)</a:t>
+            </a:r>
           </a:p>
           <a:p>
             <a:endParaRPr lang="fr-FR" dirty="0"/>
@@ -7366,8 +7511,8 @@
         </p:blipFill>
         <p:spPr>
           <a:xfrm>
-            <a:off x="6096000" y="4500513"/>
-            <a:ext cx="5483155" cy="1263847"/>
+            <a:off x="6289451" y="4173653"/>
+            <a:ext cx="5327070" cy="1227870"/>
           </a:xfrm>
           <a:prstGeom prst="rect">
             <a:avLst/>
@@ -7381,6 +7526,42 @@
           <a:effectLst/>
         </p:spPr>
       </p:pic>
+      <p:sp>
+        <p:nvSpPr>
+          <p:cNvPr id="4" name="ZoneTexte 3">
+            <a:extLst>
+              <a:ext uri="{FF2B5EF4-FFF2-40B4-BE49-F238E27FC236}">
+                <a16:creationId xmlns:a16="http://schemas.microsoft.com/office/drawing/2014/main" id="{BFE63D0C-6953-4996-B069-E6000CC07E28}"/>
+              </a:ext>
+            </a:extLst>
+          </p:cNvPr>
+          <p:cNvSpPr txBox="1"/>
+          <p:nvPr/>
+        </p:nvSpPr>
+        <p:spPr>
+          <a:xfrm>
+            <a:off x="7164136" y="5401523"/>
+            <a:ext cx="3577701" cy="307777"/>
+          </a:xfrm>
+          <a:prstGeom prst="rect">
+            <a:avLst/>
+          </a:prstGeom>
+          <a:noFill/>
+        </p:spPr>
+        <p:txBody>
+          <a:bodyPr wrap="square" rtlCol="0">
+            <a:spAutoFit/>
+          </a:bodyPr>
+          <a:lstStyle/>
+          <a:p>
+            <a:pPr algn="ctr"/>
+            <a:r>
+              <a:rPr lang="fr-FR" sz="1400" dirty="0"/>
+              <a:t>Exemple d’utilisation d’un modèle</a:t>
+            </a:r>
+          </a:p>
+        </p:txBody>
+      </p:sp>
     </p:spTree>
     <p:extLst>
       <p:ext uri="{BB962C8B-B14F-4D97-AF65-F5344CB8AC3E}">

--- a/PPT_python4data.pptx
+++ b/PPT_python4data.pptx
@@ -6733,7 +6733,15 @@
             </a:r>
             <a:r>
               <a:rPr lang="fr-FR" dirty="0"/>
-              <a:t>.</a:t>
+              <a:t>. Suite à la modification des </a:t>
+            </a:r>
+            <a:r>
+              <a:rPr lang="fr-FR" dirty="0" err="1"/>
+              <a:t>hyperparams</a:t>
+            </a:r>
+            <a:r>
+              <a:rPr lang="fr-FR" dirty="0"/>
+              <a:t>, le score est de 99.7% environ ce qui excellent, mais cela peut être aussi du surapprentissage. </a:t>
             </a:r>
           </a:p>
           <a:p>
@@ -6744,6 +6752,43 @@
           </a:p>
         </p:txBody>
       </p:sp>
+      <p:pic>
+        <p:nvPicPr>
+          <p:cNvPr id="4" name="Image 3">
+            <a:extLst>
+              <a:ext uri="{FF2B5EF4-FFF2-40B4-BE49-F238E27FC236}">
+                <a16:creationId xmlns:a16="http://schemas.microsoft.com/office/drawing/2014/main" id="{297DC583-20E7-47E4-9D1B-BD9F64A1F061}"/>
+              </a:ext>
+            </a:extLst>
+          </p:cNvPr>
+          <p:cNvPicPr>
+            <a:picLocks noChangeAspect="1"/>
+          </p:cNvPicPr>
+          <p:nvPr/>
+        </p:nvPicPr>
+        <p:blipFill>
+          <a:blip r:embed="rId2"/>
+          <a:stretch>
+            <a:fillRect/>
+          </a:stretch>
+        </p:blipFill>
+        <p:spPr>
+          <a:xfrm>
+            <a:off x="1761160" y="3609428"/>
+            <a:ext cx="9465013" cy="1689223"/>
+          </a:xfrm>
+          <a:prstGeom prst="rect">
+            <a:avLst/>
+          </a:prstGeom>
+          <a:ln w="19050" cap="sq">
+            <a:solidFill>
+              <a:srgbClr val="000000"/>
+            </a:solidFill>
+            <a:miter lim="800000"/>
+          </a:ln>
+          <a:effectLst/>
+        </p:spPr>
+      </p:pic>
     </p:spTree>
     <p:extLst>
       <p:ext uri="{BB962C8B-B14F-4D97-AF65-F5344CB8AC3E}">

--- a/PPT_python4data.pptx
+++ b/PPT_python4data.pptx
@@ -18,6 +18,8 @@
     <p:sldId id="267" r:id="rId12"/>
     <p:sldId id="268" r:id="rId13"/>
     <p:sldId id="269" r:id="rId14"/>
+    <p:sldId id="270" r:id="rId15"/>
+    <p:sldId id="271" r:id="rId16"/>
   </p:sldIdLst>
   <p:sldSz cx="12192000" cy="6858000"/>
   <p:notesSz cx="6858000" cy="9144000"/>
@@ -6802,6 +6804,184 @@
 </p:sld>
 </file>
 
+<file path=ppt/slides/slide14.xml><?xml version="1.0" encoding="utf-8"?>
+<p:sld xmlns:a="http://schemas.openxmlformats.org/drawingml/2006/main" xmlns:r="http://schemas.openxmlformats.org/officeDocument/2006/relationships" xmlns:p="http://schemas.openxmlformats.org/presentationml/2006/main">
+  <p:cSld>
+    <p:spTree>
+      <p:nvGrpSpPr>
+        <p:cNvPr id="1" name=""/>
+        <p:cNvGrpSpPr/>
+        <p:nvPr/>
+      </p:nvGrpSpPr>
+      <p:grpSpPr>
+        <a:xfrm>
+          <a:off x="0" y="0"/>
+          <a:ext cx="0" cy="0"/>
+          <a:chOff x="0" y="0"/>
+          <a:chExt cx="0" cy="0"/>
+        </a:xfrm>
+      </p:grpSpPr>
+      <p:sp>
+        <p:nvSpPr>
+          <p:cNvPr id="2" name="Titre 1">
+            <a:extLst>
+              <a:ext uri="{FF2B5EF4-FFF2-40B4-BE49-F238E27FC236}">
+                <a16:creationId xmlns:a16="http://schemas.microsoft.com/office/drawing/2014/main" id="{395AE5CC-6C4D-415B-A2AB-6B126182B487}"/>
+              </a:ext>
+            </a:extLst>
+          </p:cNvPr>
+          <p:cNvSpPr>
+            <a:spLocks noGrp="1"/>
+          </p:cNvSpPr>
+          <p:nvPr>
+            <p:ph type="title"/>
+          </p:nvPr>
+        </p:nvSpPr>
+        <p:spPr/>
+        <p:txBody>
+          <a:bodyPr/>
+          <a:lstStyle/>
+          <a:p>
+            <a:r>
+              <a:rPr lang="fr-FR" dirty="0"/>
+              <a:t>API Django</a:t>
+            </a:r>
+          </a:p>
+        </p:txBody>
+      </p:sp>
+      <p:sp>
+        <p:nvSpPr>
+          <p:cNvPr id="3" name="Espace réservé du contenu 2">
+            <a:extLst>
+              <a:ext uri="{FF2B5EF4-FFF2-40B4-BE49-F238E27FC236}">
+                <a16:creationId xmlns:a16="http://schemas.microsoft.com/office/drawing/2014/main" id="{0F887A8C-D127-4112-A4AA-1405E663933E}"/>
+              </a:ext>
+            </a:extLst>
+          </p:cNvPr>
+          <p:cNvSpPr>
+            <a:spLocks noGrp="1"/>
+          </p:cNvSpPr>
+          <p:nvPr>
+            <p:ph idx="1"/>
+          </p:nvPr>
+        </p:nvSpPr>
+        <p:spPr/>
+        <p:txBody>
+          <a:bodyPr/>
+          <a:lstStyle/>
+          <a:p>
+            <a:pPr marL="0" indent="0" algn="just">
+              <a:buNone/>
+            </a:pPr>
+            <a:r>
+              <a:rPr lang="fr-FR" dirty="0"/>
+              <a:t>J’ai essayé de mettre en place l’API, malheureusement, ce ne fut pas concluant. J’ai tout de même décidé de laisser le début d’api que j’ai commencé sur git.</a:t>
+            </a:r>
+          </a:p>
+        </p:txBody>
+      </p:sp>
+    </p:spTree>
+    <p:extLst>
+      <p:ext uri="{BB962C8B-B14F-4D97-AF65-F5344CB8AC3E}">
+        <p14:creationId xmlns:p14="http://schemas.microsoft.com/office/powerpoint/2010/main" val="204265563"/>
+      </p:ext>
+    </p:extLst>
+  </p:cSld>
+  <p:clrMapOvr>
+    <a:masterClrMapping/>
+  </p:clrMapOvr>
+</p:sld>
+</file>
+
+<file path=ppt/slides/slide15.xml><?xml version="1.0" encoding="utf-8"?>
+<p:sld xmlns:a="http://schemas.openxmlformats.org/drawingml/2006/main" xmlns:r="http://schemas.openxmlformats.org/officeDocument/2006/relationships" xmlns:p="http://schemas.openxmlformats.org/presentationml/2006/main">
+  <p:cSld>
+    <p:spTree>
+      <p:nvGrpSpPr>
+        <p:cNvPr id="1" name=""/>
+        <p:cNvGrpSpPr/>
+        <p:nvPr/>
+      </p:nvGrpSpPr>
+      <p:grpSpPr>
+        <a:xfrm>
+          <a:off x="0" y="0"/>
+          <a:ext cx="0" cy="0"/>
+          <a:chOff x="0" y="0"/>
+          <a:chExt cx="0" cy="0"/>
+        </a:xfrm>
+      </p:grpSpPr>
+      <p:sp>
+        <p:nvSpPr>
+          <p:cNvPr id="2" name="Titre 1">
+            <a:extLst>
+              <a:ext uri="{FF2B5EF4-FFF2-40B4-BE49-F238E27FC236}">
+                <a16:creationId xmlns:a16="http://schemas.microsoft.com/office/drawing/2014/main" id="{4B710152-E10B-42B3-A696-8CA8FB498FDA}"/>
+              </a:ext>
+            </a:extLst>
+          </p:cNvPr>
+          <p:cNvSpPr>
+            <a:spLocks noGrp="1"/>
+          </p:cNvSpPr>
+          <p:nvPr>
+            <p:ph type="title"/>
+          </p:nvPr>
+        </p:nvSpPr>
+        <p:spPr/>
+        <p:txBody>
+          <a:bodyPr/>
+          <a:lstStyle/>
+          <a:p>
+            <a:r>
+              <a:rPr lang="fr-FR" dirty="0"/>
+              <a:t>Merci !</a:t>
+            </a:r>
+          </a:p>
+        </p:txBody>
+      </p:sp>
+      <p:sp>
+        <p:nvSpPr>
+          <p:cNvPr id="3" name="Espace réservé du contenu 2">
+            <a:extLst>
+              <a:ext uri="{FF2B5EF4-FFF2-40B4-BE49-F238E27FC236}">
+                <a16:creationId xmlns:a16="http://schemas.microsoft.com/office/drawing/2014/main" id="{854A2B3F-9B3C-45B6-AFEE-A1CDF094B023}"/>
+              </a:ext>
+            </a:extLst>
+          </p:cNvPr>
+          <p:cNvSpPr>
+            <a:spLocks noGrp="1"/>
+          </p:cNvSpPr>
+          <p:nvPr>
+            <p:ph idx="1"/>
+          </p:nvPr>
+        </p:nvSpPr>
+        <p:spPr/>
+        <p:txBody>
+          <a:bodyPr/>
+          <a:lstStyle/>
+          <a:p>
+            <a:pPr marL="0" indent="0">
+              <a:buNone/>
+            </a:pPr>
+            <a:r>
+              <a:rPr lang="fr-FR" dirty="0"/>
+              <a:t>Fin du projet, merci pour vos cours et pour ce projet, ce fut intéressant, merci.</a:t>
+            </a:r>
+          </a:p>
+        </p:txBody>
+      </p:sp>
+    </p:spTree>
+    <p:extLst>
+      <p:ext uri="{BB962C8B-B14F-4D97-AF65-F5344CB8AC3E}">
+        <p14:creationId xmlns:p14="http://schemas.microsoft.com/office/powerpoint/2010/main" val="2171451001"/>
+      </p:ext>
+    </p:extLst>
+  </p:cSld>
+  <p:clrMapOvr>
+    <a:masterClrMapping/>
+  </p:clrMapOvr>
+</p:sld>
+</file>
+
 <file path=ppt/slides/slide2.xml><?xml version="1.0" encoding="utf-8"?>
 <p:sld xmlns:a="http://schemas.openxmlformats.org/drawingml/2006/main" xmlns:r="http://schemas.openxmlformats.org/officeDocument/2006/relationships" xmlns:p="http://schemas.openxmlformats.org/presentationml/2006/main">
   <p:cSld>
